--- a/Analysing Procurment Process.pptx
+++ b/Analysing Procurment Process.pptx
@@ -12,6 +12,7 @@
     <p:sldId id="260" r:id="rId6"/>
     <p:sldId id="261" r:id="rId7"/>
     <p:sldId id="262" r:id="rId8"/>
+    <p:sldId id="264" r:id="rId9"/>
   </p:sldIdLst>
   <p:sldSz cx="9144000" cy="6858000" type="screen4x3"/>
   <p:notesSz cx="6858000" cy="9144000"/>
@@ -3340,39 +3341,7 @@
                   <a:schemeClr val="tx1"/>
                 </a:solidFill>
               </a:rPr>
-              <a:t>There </a:t>
-            </a:r>
-            <a:r>
-              <a:rPr lang="en-US" sz="2400" dirty="0">
-                <a:solidFill>
-                  <a:schemeClr val="tx1"/>
-                </a:solidFill>
-              </a:rPr>
-              <a:t>are 129 </a:t>
-            </a:r>
-            <a:r>
-              <a:rPr lang="en-US" sz="2400" dirty="0">
-                <a:solidFill>
-                  <a:schemeClr val="tx1"/>
-                </a:solidFill>
-              </a:rPr>
-              <a:t>PRs </a:t>
-            </a:r>
-            <a:r>
-              <a:rPr lang="en-US" sz="2400" dirty="0">
-                <a:solidFill>
-                  <a:schemeClr val="tx1"/>
-                </a:solidFill>
-              </a:rPr>
-              <a:t>issued without </a:t>
-            </a:r>
-            <a:r>
-              <a:rPr lang="en-US" sz="2400" dirty="0">
-                <a:solidFill>
-                  <a:schemeClr val="tx1"/>
-                </a:solidFill>
-              </a:rPr>
-              <a:t>Revision by another staff , which is 16% of all </a:t>
+              <a:t>There are 129 PRs issued without Revision by another staff , which is 16% of all </a:t>
             </a:r>
             <a:r>
               <a:rPr lang="en-US" sz="2400" dirty="0" smtClean="0">
@@ -3713,11 +3682,7 @@
           <a:p>
             <a:r>
               <a:rPr lang="en-US" sz="2400" dirty="0"/>
-              <a:t>There is two different invoices (740687 and 740687.) for the same PO. </a:t>
-            </a:r>
-            <a:r>
-              <a:rPr lang="en-US" sz="2400" dirty="0"/>
-              <a:t>GG1239107 </a:t>
+              <a:t>There is two different invoices (740687 and 740687.) for the same PO. GG1239107 </a:t>
             </a:r>
             <a:r>
               <a:rPr lang="en-US" sz="2400" dirty="0" smtClean="0"/>
@@ -3904,11 +3869,7 @@
             </a:r>
             <a:r>
               <a:rPr lang="en-US" sz="2800" dirty="0"/>
-              <a:t> </a:t>
-            </a:r>
-            <a:r>
-              <a:rPr lang="en-US" sz="2800" dirty="0"/>
-              <a:t>G</a:t>
+              <a:t> G</a:t>
             </a:r>
             <a:r>
               <a:rPr lang="en-US" sz="2800" dirty="0" smtClean="0"/>
@@ -4084,11 +4045,7 @@
           <a:p>
             <a:r>
               <a:rPr lang="en-US" sz="2400" dirty="0"/>
-              <a:t>There are 16 invoices </a:t>
-            </a:r>
-            <a:r>
-              <a:rPr lang="en-US" sz="2400" dirty="0"/>
-              <a:t> </a:t>
+              <a:t>There are 16 invoices  </a:t>
             </a:r>
             <a:r>
               <a:rPr lang="en-US" sz="2400" dirty="0" smtClean="0"/>
@@ -4545,6 +4502,112 @@
       </p:par>
     </p:tnLst>
   </p:timing>
+</p:sld>
+</file>
+
+<file path=ppt/slides/slide8.xml><?xml version="1.0" encoding="utf-8"?>
+<p:sld xmlns:a="http://schemas.openxmlformats.org/drawingml/2006/main" xmlns:r="http://schemas.openxmlformats.org/officeDocument/2006/relationships" xmlns:p="http://schemas.openxmlformats.org/presentationml/2006/main">
+  <p:cSld>
+    <p:spTree>
+      <p:nvGrpSpPr>
+        <p:cNvPr id="1" name=""/>
+        <p:cNvGrpSpPr/>
+        <p:nvPr/>
+      </p:nvGrpSpPr>
+      <p:grpSpPr>
+        <a:xfrm>
+          <a:off x="0" y="0"/>
+          <a:ext cx="0" cy="0"/>
+          <a:chOff x="0" y="0"/>
+          <a:chExt cx="0" cy="0"/>
+        </a:xfrm>
+      </p:grpSpPr>
+      <p:sp>
+        <p:nvSpPr>
+          <p:cNvPr id="2" name="Title 1"/>
+          <p:cNvSpPr>
+            <a:spLocks noGrp="1"/>
+          </p:cNvSpPr>
+          <p:nvPr>
+            <p:ph type="title"/>
+          </p:nvPr>
+        </p:nvSpPr>
+        <p:spPr/>
+        <p:txBody>
+          <a:bodyPr/>
+          <a:lstStyle/>
+          <a:p>
+            <a:r>
+              <a:rPr lang="en-US" dirty="0" smtClean="0"/>
+              <a:t>Next steps </a:t>
+            </a:r>
+            <a:endParaRPr lang="en-US" dirty="0"/>
+          </a:p>
+        </p:txBody>
+      </p:sp>
+      <p:sp>
+        <p:nvSpPr>
+          <p:cNvPr id="3" name="Content Placeholder 2"/>
+          <p:cNvSpPr>
+            <a:spLocks noGrp="1"/>
+          </p:cNvSpPr>
+          <p:nvPr>
+            <p:ph idx="1"/>
+          </p:nvPr>
+        </p:nvSpPr>
+        <p:spPr/>
+        <p:txBody>
+          <a:bodyPr>
+            <a:normAutofit lnSpcReduction="10000"/>
+          </a:bodyPr>
+          <a:lstStyle/>
+          <a:p>
+            <a:r>
+              <a:rPr lang="en-US" dirty="0" smtClean="0"/>
+              <a:t> I will Creating machine learning models for Detecting  anomaly increase in PO in specific department or for specific items .</a:t>
+            </a:r>
+          </a:p>
+          <a:p>
+            <a:r>
+              <a:rPr lang="en-US" dirty="0" smtClean="0"/>
+              <a:t>I will create a regression model to predict PO period from issuing till payment to the provider</a:t>
+            </a:r>
+          </a:p>
+          <a:p>
+            <a:r>
+              <a:rPr lang="en-US" dirty="0" smtClean="0"/>
+              <a:t>I will create a classification model to classify venders to categories based on their commitment and accuracy in </a:t>
+            </a:r>
+            <a:r>
+              <a:rPr lang="en-US" smtClean="0"/>
+              <a:t>delivering orders </a:t>
+            </a:r>
+            <a:endParaRPr lang="en-US" dirty="0" smtClean="0"/>
+          </a:p>
+          <a:p>
+            <a:endParaRPr lang="en-US" dirty="0" smtClean="0"/>
+          </a:p>
+          <a:p>
+            <a:endParaRPr lang="en-US" dirty="0" smtClean="0"/>
+          </a:p>
+          <a:p>
+            <a:endParaRPr lang="en-US" dirty="0"/>
+          </a:p>
+          <a:p>
+            <a:endParaRPr lang="en-US" dirty="0" smtClean="0"/>
+          </a:p>
+        </p:txBody>
+      </p:sp>
+    </p:spTree>
+    <p:extLst>
+      <p:ext uri="{BB962C8B-B14F-4D97-AF65-F5344CB8AC3E}">
+        <p14:creationId xmlns:p14="http://schemas.microsoft.com/office/powerpoint/2010/main" val="1906136562"/>
+      </p:ext>
+    </p:extLst>
+  </p:cSld>
+  <p:clrMapOvr>
+    <a:masterClrMapping/>
+  </p:clrMapOvr>
 </p:sld>
 </file>
 
